--- a/spring_micro_tute_1.pptx
+++ b/spring_micro_tute_1.pptx
@@ -10,6 +10,7 @@
     <p:sldId id="258" r:id="rId4"/>
     <p:sldId id="259" r:id="rId5"/>
     <p:sldId id="260" r:id="rId6"/>
+    <p:sldId id="261" r:id="rId7"/>
   </p:sldIdLst>
   <p:sldSz cx="12192000" cy="6858000"/>
   <p:notesSz cx="6858000" cy="9144000"/>
@@ -263,7 +264,7 @@
           <a:p>
             <a:fld id="{2CDF4F1C-36B5-4742-93FE-973A1E85917B}" type="datetimeFigureOut">
               <a:rPr lang="en-US" smtClean="0"/>
-              <a:t>8/20/20</a:t>
+              <a:t>8/21/20</a:t>
             </a:fld>
             <a:endParaRPr lang="en-US"/>
           </a:p>
@@ -461,7 +462,7 @@
           <a:p>
             <a:fld id="{2CDF4F1C-36B5-4742-93FE-973A1E85917B}" type="datetimeFigureOut">
               <a:rPr lang="en-US" smtClean="0"/>
-              <a:t>8/20/20</a:t>
+              <a:t>8/21/20</a:t>
             </a:fld>
             <a:endParaRPr lang="en-US"/>
           </a:p>
@@ -669,7 +670,7 @@
           <a:p>
             <a:fld id="{2CDF4F1C-36B5-4742-93FE-973A1E85917B}" type="datetimeFigureOut">
               <a:rPr lang="en-US" smtClean="0"/>
-              <a:t>8/20/20</a:t>
+              <a:t>8/21/20</a:t>
             </a:fld>
             <a:endParaRPr lang="en-US"/>
           </a:p>
@@ -867,7 +868,7 @@
           <a:p>
             <a:fld id="{2CDF4F1C-36B5-4742-93FE-973A1E85917B}" type="datetimeFigureOut">
               <a:rPr lang="en-US" smtClean="0"/>
-              <a:t>8/20/20</a:t>
+              <a:t>8/21/20</a:t>
             </a:fld>
             <a:endParaRPr lang="en-US"/>
           </a:p>
@@ -1142,7 +1143,7 @@
           <a:p>
             <a:fld id="{2CDF4F1C-36B5-4742-93FE-973A1E85917B}" type="datetimeFigureOut">
               <a:rPr lang="en-US" smtClean="0"/>
-              <a:t>8/20/20</a:t>
+              <a:t>8/21/20</a:t>
             </a:fld>
             <a:endParaRPr lang="en-US"/>
           </a:p>
@@ -1407,7 +1408,7 @@
           <a:p>
             <a:fld id="{2CDF4F1C-36B5-4742-93FE-973A1E85917B}" type="datetimeFigureOut">
               <a:rPr lang="en-US" smtClean="0"/>
-              <a:t>8/20/20</a:t>
+              <a:t>8/21/20</a:t>
             </a:fld>
             <a:endParaRPr lang="en-US"/>
           </a:p>
@@ -1819,7 +1820,7 @@
           <a:p>
             <a:fld id="{2CDF4F1C-36B5-4742-93FE-973A1E85917B}" type="datetimeFigureOut">
               <a:rPr lang="en-US" smtClean="0"/>
-              <a:t>8/20/20</a:t>
+              <a:t>8/21/20</a:t>
             </a:fld>
             <a:endParaRPr lang="en-US"/>
           </a:p>
@@ -1960,7 +1961,7 @@
           <a:p>
             <a:fld id="{2CDF4F1C-36B5-4742-93FE-973A1E85917B}" type="datetimeFigureOut">
               <a:rPr lang="en-US" smtClean="0"/>
-              <a:t>8/20/20</a:t>
+              <a:t>8/21/20</a:t>
             </a:fld>
             <a:endParaRPr lang="en-US"/>
           </a:p>
@@ -2073,7 +2074,7 @@
           <a:p>
             <a:fld id="{2CDF4F1C-36B5-4742-93FE-973A1E85917B}" type="datetimeFigureOut">
               <a:rPr lang="en-US" smtClean="0"/>
-              <a:t>8/20/20</a:t>
+              <a:t>8/21/20</a:t>
             </a:fld>
             <a:endParaRPr lang="en-US"/>
           </a:p>
@@ -2384,7 +2385,7 @@
           <a:p>
             <a:fld id="{2CDF4F1C-36B5-4742-93FE-973A1E85917B}" type="datetimeFigureOut">
               <a:rPr lang="en-US" smtClean="0"/>
-              <a:t>8/20/20</a:t>
+              <a:t>8/21/20</a:t>
             </a:fld>
             <a:endParaRPr lang="en-US"/>
           </a:p>
@@ -2672,7 +2673,7 @@
           <a:p>
             <a:fld id="{2CDF4F1C-36B5-4742-93FE-973A1E85917B}" type="datetimeFigureOut">
               <a:rPr lang="en-US" smtClean="0"/>
-              <a:t>8/20/20</a:t>
+              <a:t>8/21/20</a:t>
             </a:fld>
             <a:endParaRPr lang="en-US"/>
           </a:p>
@@ -2913,7 +2914,7 @@
           <a:p>
             <a:fld id="{2CDF4F1C-36B5-4742-93FE-973A1E85917B}" type="datetimeFigureOut">
               <a:rPr lang="en-US" smtClean="0"/>
-              <a:t>8/20/20</a:t>
+              <a:t>8/21/20</a:t>
             </a:fld>
             <a:endParaRPr lang="en-US"/>
           </a:p>
@@ -4341,7 +4342,7 @@
         <p:spPr>
           <a:xfrm>
             <a:off x="451690" y="286439"/>
-            <a:ext cx="10187478" cy="2215991"/>
+            <a:ext cx="10187478" cy="2954655"/>
           </a:xfrm>
           <a:prstGeom prst="rect">
             <a:avLst/>
@@ -4442,6 +4443,33 @@
               <a:rPr lang="en-US" sz="1200" dirty="0"/>
               <a:t>Level 3 : Level 2 + HATEOAS – DATA + Next possible actions</a:t>
             </a:r>
+          </a:p>
+          <a:p>
+            <a:pPr lvl="1"/>
+            <a:endParaRPr lang="en-US" sz="1200" dirty="0"/>
+          </a:p>
+          <a:p>
+            <a:r>
+              <a:rPr lang="en-US" sz="1200" dirty="0"/>
+              <a:t>Special notes :</a:t>
+            </a:r>
+          </a:p>
+          <a:p>
+            <a:r>
+              <a:rPr lang="en-US" sz="1200" dirty="0"/>
+              <a:t>Can pass application property with –D when startup. Ex : -</a:t>
+            </a:r>
+            <a:r>
+              <a:rPr lang="en-US" sz="1200" dirty="0" err="1"/>
+              <a:t>Dserver.port</a:t>
+            </a:r>
+            <a:r>
+              <a:rPr lang="en-US" sz="1200" dirty="0"/>
+              <a:t>=8000</a:t>
+            </a:r>
+          </a:p>
+          <a:p>
+            <a:endParaRPr lang="en-US" sz="1200" dirty="0"/>
           </a:p>
         </p:txBody>
       </p:sp>
@@ -4753,7 +4781,7 @@
         <p:spPr>
           <a:xfrm>
             <a:off x="451689" y="286439"/>
-            <a:ext cx="11171105" cy="3785652"/>
+            <a:ext cx="11171105" cy="5724644"/>
           </a:xfrm>
           <a:prstGeom prst="rect">
             <a:avLst/>
@@ -4959,12 +4987,252 @@
           <a:p>
             <a:endParaRPr lang="en-US" sz="1200" dirty="0"/>
           </a:p>
+          <a:p>
+            <a:r>
+              <a:rPr lang="en-US" sz="1200" dirty="0"/>
+              <a:t>Rest template, </a:t>
+            </a:r>
+          </a:p>
+          <a:p>
+            <a:pPr lvl="1"/>
+            <a:r>
+              <a:rPr lang="en-US" sz="1200" dirty="0"/>
+              <a:t>Can invoke external API using rest template. </a:t>
+            </a:r>
+            <a:r>
+              <a:rPr lang="en-US" sz="1200" dirty="0" err="1"/>
+              <a:t>CurrencyConversionController#convertCurrencyRestTemplate</a:t>
+            </a:r>
+            <a:endParaRPr lang="en-US" sz="1200" dirty="0"/>
+          </a:p>
+          <a:p>
+            <a:pPr lvl="1"/>
+            <a:r>
+              <a:rPr lang="en-US" sz="1200" dirty="0"/>
+              <a:t>There is few way to pass parameters. As </a:t>
+            </a:r>
+            <a:r>
+              <a:rPr lang="en-US" sz="1200" dirty="0" err="1"/>
+              <a:t>varargs</a:t>
+            </a:r>
+            <a:r>
+              <a:rPr lang="en-US" sz="1200" dirty="0"/>
+              <a:t> or as map.  </a:t>
+            </a:r>
+          </a:p>
+          <a:p>
+            <a:endParaRPr lang="en-US" sz="1200" dirty="0"/>
+          </a:p>
+          <a:p>
+            <a:r>
+              <a:rPr lang="en-US" sz="1200" dirty="0"/>
+              <a:t>Feign client. </a:t>
+            </a:r>
+          </a:p>
+          <a:p>
+            <a:pPr lvl="1"/>
+            <a:r>
+              <a:rPr lang="en-US" sz="1200" dirty="0"/>
+              <a:t>Remove lot of boll print code. Make it easy to call external API as method calls. ( like data repository ) </a:t>
+            </a:r>
+          </a:p>
+          <a:p>
+            <a:pPr lvl="1"/>
+            <a:r>
+              <a:rPr lang="en-US" sz="1200" dirty="0"/>
+              <a:t>Should enable feign client @</a:t>
+            </a:r>
+            <a:r>
+              <a:rPr lang="en-US" sz="1200" dirty="0" err="1"/>
+              <a:t>EnableFeignClients</a:t>
+            </a:r>
+            <a:r>
+              <a:rPr lang="en-US" sz="1200" dirty="0"/>
+              <a:t>(</a:t>
+            </a:r>
+            <a:r>
+              <a:rPr lang="en-US" sz="1200" b="1" dirty="0"/>
+              <a:t>"</a:t>
+            </a:r>
+            <a:r>
+              <a:rPr lang="en-US" sz="1200" b="1" dirty="0" err="1"/>
+              <a:t>techcr.learn.microservice.currencyconversionservice</a:t>
+            </a:r>
+            <a:r>
+              <a:rPr lang="en-US" sz="1200" b="1" dirty="0"/>
+              <a:t>"</a:t>
+            </a:r>
+            <a:r>
+              <a:rPr lang="en-US" sz="1200" dirty="0"/>
+              <a:t>)</a:t>
+            </a:r>
+          </a:p>
+          <a:p>
+            <a:pPr lvl="1"/>
+            <a:r>
+              <a:rPr lang="en-US" sz="1200" dirty="0"/>
+              <a:t>Create proxy : </a:t>
+            </a:r>
+            <a:r>
+              <a:rPr lang="en-US" sz="1200" dirty="0" err="1"/>
+              <a:t>CurrencyExchangeServiceProxy</a:t>
+            </a:r>
+            <a:endParaRPr lang="en-US" sz="1200" dirty="0"/>
+          </a:p>
+          <a:p>
+            <a:pPr lvl="1"/>
+            <a:r>
+              <a:rPr lang="en-US" sz="1200" dirty="0"/>
+              <a:t>Call Example : </a:t>
+            </a:r>
+            <a:r>
+              <a:rPr lang="en-US" sz="1200" dirty="0" err="1"/>
+              <a:t>CurrencyConversionController#convertCurrencyFeignClient</a:t>
+            </a:r>
+            <a:endParaRPr lang="en-US" sz="1200" dirty="0"/>
+          </a:p>
+          <a:p>
+            <a:endParaRPr lang="en-US" sz="1200" dirty="0"/>
+          </a:p>
+          <a:p>
+            <a:r>
+              <a:rPr lang="en-US" sz="1200" dirty="0"/>
+              <a:t>Ribbon Client</a:t>
+            </a:r>
+          </a:p>
         </p:txBody>
       </p:sp>
     </p:spTree>
     <p:extLst>
       <p:ext uri="{BB962C8B-B14F-4D97-AF65-F5344CB8AC3E}">
         <p14:creationId xmlns:p14="http://schemas.microsoft.com/office/powerpoint/2010/main" val="2466924579"/>
+      </p:ext>
+    </p:extLst>
+  </p:cSld>
+  <p:clrMapOvr>
+    <a:masterClrMapping/>
+  </p:clrMapOvr>
+</p:sld>
+</file>
+
+<file path=ppt/slides/slide6.xml><?xml version="1.0" encoding="utf-8"?>
+<p:sld xmlns:a="http://schemas.openxmlformats.org/drawingml/2006/main" xmlns:r="http://schemas.openxmlformats.org/officeDocument/2006/relationships" xmlns:p="http://schemas.openxmlformats.org/presentationml/2006/main">
+  <p:cSld>
+    <p:spTree>
+      <p:nvGrpSpPr>
+        <p:cNvPr id="1" name=""/>
+        <p:cNvGrpSpPr/>
+        <p:nvPr/>
+      </p:nvGrpSpPr>
+      <p:grpSpPr>
+        <a:xfrm>
+          <a:off x="0" y="0"/>
+          <a:ext cx="0" cy="0"/>
+          <a:chOff x="0" y="0"/>
+          <a:chExt cx="0" cy="0"/>
+        </a:xfrm>
+      </p:grpSpPr>
+      <p:sp>
+        <p:nvSpPr>
+          <p:cNvPr id="4" name="TextBox 3">
+            <a:extLst>
+              <a:ext uri="{FF2B5EF4-FFF2-40B4-BE49-F238E27FC236}">
+                <a16:creationId xmlns:a16="http://schemas.microsoft.com/office/drawing/2014/main" id="{3CF5F580-2CF3-4F4A-B032-68B54B5A7647}"/>
+              </a:ext>
+            </a:extLst>
+          </p:cNvPr>
+          <p:cNvSpPr txBox="1"/>
+          <p:nvPr/>
+        </p:nvSpPr>
+        <p:spPr>
+          <a:xfrm>
+            <a:off x="451689" y="286439"/>
+            <a:ext cx="11171105" cy="1477328"/>
+          </a:xfrm>
+          <a:prstGeom prst="rect">
+            <a:avLst/>
+          </a:prstGeom>
+          <a:noFill/>
+        </p:spPr>
+        <p:txBody>
+          <a:bodyPr wrap="square" rtlCol="0">
+            <a:spAutoFit/>
+          </a:bodyPr>
+          <a:lstStyle/>
+          <a:p>
+            <a:r>
+              <a:rPr lang="en-US" dirty="0"/>
+              <a:t>Spring Microservice Tutorial 1:</a:t>
+            </a:r>
+            <a:endParaRPr lang="en-US" sz="1200" dirty="0"/>
+          </a:p>
+          <a:p>
+            <a:r>
+              <a:rPr lang="en-US" sz="1200" dirty="0"/>
+              <a:t>Ribbon Client</a:t>
+            </a:r>
+          </a:p>
+          <a:p>
+            <a:pPr lvl="1"/>
+            <a:r>
+              <a:rPr lang="en-US" sz="1200" dirty="0"/>
+              <a:t>Client side load balance – through spring application name. </a:t>
+            </a:r>
+          </a:p>
+          <a:p>
+            <a:pPr lvl="1"/>
+            <a:r>
+              <a:rPr lang="en-US" sz="1200" dirty="0"/>
+              <a:t>Create client : </a:t>
+            </a:r>
+            <a:r>
+              <a:rPr lang="en-US" sz="1200" dirty="0" err="1"/>
+              <a:t>CurrencyExchangeServiceProxy</a:t>
+            </a:r>
+            <a:endParaRPr lang="en-US" sz="1200" dirty="0"/>
+          </a:p>
+          <a:p>
+            <a:pPr lvl="1"/>
+            <a:r>
+              <a:rPr lang="en-US" sz="1200" dirty="0"/>
+              <a:t>Call Example : </a:t>
+            </a:r>
+            <a:r>
+              <a:rPr lang="en-US" sz="1200" dirty="0" err="1"/>
+              <a:t>CurrencyConversionController#convertCurrencyFeignClient</a:t>
+            </a:r>
+            <a:r>
+              <a:rPr lang="en-US" sz="1200" dirty="0"/>
+              <a:t> - </a:t>
+            </a:r>
+            <a:r>
+              <a:rPr lang="en-US" sz="1200" dirty="0">
+                <a:hlinkClick r:id="rId2"/>
+              </a:rPr>
+              <a:t>http://localhost:8100/currency-converter/feign/USD/SLR/quantity/100</a:t>
+            </a:r>
+            <a:endParaRPr lang="en-US" sz="1200" dirty="0"/>
+          </a:p>
+          <a:p>
+            <a:endParaRPr lang="en-US" sz="1200" dirty="0"/>
+          </a:p>
+          <a:p>
+            <a:r>
+              <a:rPr lang="en-US" sz="1200" dirty="0"/>
+              <a:t>Naming </a:t>
+            </a:r>
+            <a:r>
+              <a:rPr lang="en-US" sz="1200"/>
+              <a:t>server – Eureka </a:t>
+            </a:r>
+            <a:endParaRPr lang="en-US" sz="1200" dirty="0"/>
+          </a:p>
+        </p:txBody>
+      </p:sp>
+    </p:spTree>
+    <p:extLst>
+      <p:ext uri="{BB962C8B-B14F-4D97-AF65-F5344CB8AC3E}">
+        <p14:creationId xmlns:p14="http://schemas.microsoft.com/office/powerpoint/2010/main" val="1015488068"/>
       </p:ext>
     </p:extLst>
   </p:cSld>

--- a/spring_micro_tute_1.pptx
+++ b/spring_micro_tute_1.pptx
@@ -11,6 +11,7 @@
     <p:sldId id="259" r:id="rId5"/>
     <p:sldId id="260" r:id="rId6"/>
     <p:sldId id="261" r:id="rId7"/>
+    <p:sldId id="262" r:id="rId8"/>
   </p:sldIdLst>
   <p:sldSz cx="12192000" cy="6858000"/>
   <p:notesSz cx="6858000" cy="9144000"/>
@@ -5147,7 +5148,7 @@
         <p:spPr>
           <a:xfrm>
             <a:off x="451689" y="286439"/>
-            <a:ext cx="11171105" cy="1477328"/>
+            <a:ext cx="11171105" cy="5816977"/>
           </a:xfrm>
           <a:prstGeom prst="rect">
             <a:avLst/>
@@ -5219,12 +5220,394 @@
           <a:p>
             <a:r>
               <a:rPr lang="en-US" sz="1200" dirty="0"/>
-              <a:t>Naming </a:t>
-            </a:r>
-            <a:r>
-              <a:rPr lang="en-US" sz="1200"/>
-              <a:t>server – Eureka </a:t>
-            </a:r>
+              <a:t>Naming server – Eureka </a:t>
+            </a:r>
+          </a:p>
+          <a:p>
+            <a:pPr lvl="1"/>
+            <a:r>
+              <a:rPr lang="en-US" sz="1200" dirty="0"/>
+              <a:t>Enable eureka naming server. : @</a:t>
+            </a:r>
+            <a:r>
+              <a:rPr lang="en-US" sz="1200" dirty="0" err="1"/>
+              <a:t>EnableEurekaServer</a:t>
+            </a:r>
+            <a:r>
+              <a:rPr lang="en-US" sz="1200" dirty="0"/>
+              <a:t> – </a:t>
+            </a:r>
+            <a:r>
+              <a:rPr lang="en-US" sz="1200" dirty="0" err="1"/>
+              <a:t>EurekaNamingServerApplication</a:t>
+            </a:r>
+            <a:endParaRPr lang="en-US" sz="1200" dirty="0"/>
+          </a:p>
+          <a:p>
+            <a:pPr lvl="1"/>
+            <a:r>
+              <a:rPr lang="en-US" sz="1200" dirty="0"/>
+              <a:t>Add these properties. </a:t>
+            </a:r>
+          </a:p>
+          <a:p>
+            <a:pPr lvl="2"/>
+            <a:r>
+              <a:rPr lang="en-US" sz="1200" dirty="0" err="1"/>
+              <a:t>eureka.client.register</a:t>
+            </a:r>
+            <a:r>
+              <a:rPr lang="en-US" sz="1200" dirty="0"/>
+              <a:t>-with-eureka=false</a:t>
+            </a:r>
+            <a:br>
+              <a:rPr lang="en-US" sz="1200" dirty="0"/>
+            </a:br>
+            <a:r>
+              <a:rPr lang="en-US" sz="1200" dirty="0" err="1"/>
+              <a:t>eureka.client.fetch</a:t>
+            </a:r>
+            <a:r>
+              <a:rPr lang="en-US" sz="1200" dirty="0"/>
+              <a:t>-registry=false</a:t>
+            </a:r>
+          </a:p>
+          <a:p>
+            <a:pPr lvl="1"/>
+            <a:r>
+              <a:rPr lang="en-US" sz="1200" dirty="0"/>
+              <a:t>Enable Client – </a:t>
+            </a:r>
+            <a:r>
+              <a:rPr lang="en-US" sz="1200" dirty="0" err="1"/>
+              <a:t>EnableDiscoveryClient</a:t>
+            </a:r>
+            <a:r>
+              <a:rPr lang="en-US" sz="1200" dirty="0"/>
+              <a:t> – </a:t>
+            </a:r>
+            <a:r>
+              <a:rPr lang="en-US" sz="1200" dirty="0" err="1"/>
+              <a:t>CurrencyConversionServiceApplication</a:t>
+            </a:r>
+            <a:endParaRPr lang="en-US" sz="1200" dirty="0"/>
+          </a:p>
+          <a:p>
+            <a:pPr lvl="1"/>
+            <a:r>
+              <a:rPr lang="en-US" sz="1200" dirty="0"/>
+              <a:t>Add property : </a:t>
+            </a:r>
+            <a:r>
+              <a:rPr lang="en-US" sz="1200" b="1" dirty="0" err="1"/>
+              <a:t>eureka.client.serviceUrl.defaultZone</a:t>
+            </a:r>
+            <a:r>
+              <a:rPr lang="en-US" sz="1200" dirty="0"/>
+              <a:t>: </a:t>
+            </a:r>
+            <a:r>
+              <a:rPr lang="en-US" sz="1200" dirty="0">
+                <a:hlinkClick r:id="rId3"/>
+              </a:rPr>
+              <a:t>http://localhost:8761/eureka/</a:t>
+            </a:r>
+            <a:r>
+              <a:rPr lang="en-US" sz="1200" dirty="0"/>
+              <a:t> ( in </a:t>
+            </a:r>
+            <a:r>
+              <a:rPr lang="en-US" sz="1200" dirty="0" err="1"/>
+              <a:t>application.yaml</a:t>
+            </a:r>
+            <a:r>
+              <a:rPr lang="en-US" sz="1200" dirty="0"/>
+              <a:t>)</a:t>
+            </a:r>
+          </a:p>
+          <a:p>
+            <a:pPr lvl="1"/>
+            <a:endParaRPr lang="en-US" sz="1200" dirty="0"/>
+          </a:p>
+          <a:p>
+            <a:r>
+              <a:rPr lang="en-US" sz="1200" dirty="0"/>
+              <a:t>API gateways</a:t>
+            </a:r>
+          </a:p>
+          <a:p>
+            <a:pPr lvl="1"/>
+            <a:r>
+              <a:rPr lang="en-US" sz="1200" dirty="0"/>
+              <a:t>Authentication, authorization and security. </a:t>
+            </a:r>
+          </a:p>
+          <a:p>
+            <a:pPr lvl="1"/>
+            <a:r>
+              <a:rPr lang="en-US" sz="1200" dirty="0"/>
+              <a:t>Rate limits</a:t>
+            </a:r>
+          </a:p>
+          <a:p>
+            <a:pPr lvl="1"/>
+            <a:r>
+              <a:rPr lang="en-US" sz="1200" dirty="0"/>
+              <a:t>Fault tolerance </a:t>
+            </a:r>
+          </a:p>
+          <a:p>
+            <a:pPr lvl="1"/>
+            <a:r>
+              <a:rPr lang="en-US" sz="1200" dirty="0"/>
+              <a:t>Service aggregation. </a:t>
+            </a:r>
+          </a:p>
+          <a:p>
+            <a:endParaRPr lang="en-US" sz="1200" dirty="0"/>
+          </a:p>
+          <a:p>
+            <a:r>
+              <a:rPr lang="en-US" sz="1200" dirty="0" err="1"/>
+              <a:t>Zuul</a:t>
+            </a:r>
+            <a:r>
+              <a:rPr lang="en-US" sz="1200" dirty="0"/>
+              <a:t> API gateway</a:t>
+            </a:r>
+          </a:p>
+          <a:p>
+            <a:pPr lvl="1"/>
+            <a:r>
+              <a:rPr lang="en-US" sz="1200" dirty="0"/>
+              <a:t>Enable </a:t>
+            </a:r>
+            <a:r>
+              <a:rPr lang="en-US" sz="1200" dirty="0" err="1"/>
+              <a:t>zuul</a:t>
+            </a:r>
+            <a:r>
+              <a:rPr lang="en-US" sz="1200" dirty="0"/>
+              <a:t> proxy : </a:t>
+            </a:r>
+            <a:r>
+              <a:rPr lang="en-US" sz="1200" dirty="0" err="1"/>
+              <a:t>EnableZuulProxy</a:t>
+            </a:r>
+            <a:endParaRPr lang="en-US" sz="1200" dirty="0"/>
+          </a:p>
+          <a:p>
+            <a:pPr lvl="1"/>
+            <a:r>
+              <a:rPr lang="en-US" sz="1200" dirty="0" err="1"/>
+              <a:t>Loging</a:t>
+            </a:r>
+            <a:r>
+              <a:rPr lang="en-US" sz="1200" dirty="0"/>
+              <a:t> : extend </a:t>
+            </a:r>
+            <a:r>
+              <a:rPr lang="en-US" sz="1200" dirty="0" err="1"/>
+              <a:t>ZuulFilter</a:t>
+            </a:r>
+            <a:r>
+              <a:rPr lang="en-US" sz="1200" dirty="0"/>
+              <a:t> : </a:t>
+            </a:r>
+            <a:r>
+              <a:rPr lang="en-US" sz="1200" dirty="0" err="1"/>
+              <a:t>ZuulLoginFilter</a:t>
+            </a:r>
+            <a:endParaRPr lang="en-US" sz="1200" dirty="0"/>
+          </a:p>
+          <a:p>
+            <a:pPr lvl="1"/>
+            <a:r>
+              <a:rPr lang="en-US" sz="1200" dirty="0" err="1"/>
+              <a:t>CallAPI</a:t>
+            </a:r>
+            <a:r>
+              <a:rPr lang="en-US" sz="1200" dirty="0"/>
+              <a:t> via API gateway - </a:t>
+            </a:r>
+            <a:r>
+              <a:rPr lang="en-US" sz="1200" dirty="0">
+                <a:hlinkClick r:id="rId4"/>
+              </a:rPr>
+              <a:t>http://localhost:8765/currency-conversion-service/currency-converter/feign/USD/SLR/quantity/10</a:t>
+            </a:r>
+            <a:r>
+              <a:rPr lang="en-US" sz="1200" dirty="0"/>
+              <a:t> {</a:t>
+            </a:r>
+            <a:r>
+              <a:rPr lang="en-US" sz="1200" dirty="0" err="1"/>
+              <a:t>api_gateway_url</a:t>
+            </a:r>
+            <a:r>
+              <a:rPr lang="en-US" sz="1200" dirty="0"/>
+              <a:t>}/{</a:t>
+            </a:r>
+            <a:r>
+              <a:rPr lang="en-US" sz="1200" dirty="0" err="1"/>
+              <a:t>service_name</a:t>
+            </a:r>
+            <a:r>
+              <a:rPr lang="en-US" sz="1200" dirty="0"/>
+              <a:t>}/{</a:t>
+            </a:r>
+            <a:r>
+              <a:rPr lang="en-US" sz="1200" dirty="0" err="1"/>
+              <a:t>uri</a:t>
+            </a:r>
+            <a:r>
+              <a:rPr lang="en-US" sz="1200" dirty="0"/>
+              <a:t>}</a:t>
+            </a:r>
+          </a:p>
+          <a:p>
+            <a:pPr lvl="1"/>
+            <a:endParaRPr lang="en-US" sz="1200" dirty="0"/>
+          </a:p>
+          <a:p>
+            <a:pPr lvl="1"/>
+            <a:r>
+              <a:rPr lang="en-US" sz="1200" dirty="0"/>
+              <a:t>Communicate app to app through API gateway</a:t>
+            </a:r>
+          </a:p>
+          <a:p>
+            <a:pPr lvl="2"/>
+            <a:r>
+              <a:rPr lang="en-US" sz="1200" dirty="0"/>
+              <a:t>Change </a:t>
+            </a:r>
+            <a:r>
+              <a:rPr lang="en-US" sz="1200" dirty="0" err="1"/>
+              <a:t>feing</a:t>
+            </a:r>
+            <a:r>
+              <a:rPr lang="en-US" sz="1200" dirty="0"/>
+              <a:t> client </a:t>
+            </a:r>
+            <a:r>
+              <a:rPr lang="en-US" sz="1200" dirty="0" err="1"/>
+              <a:t>url</a:t>
+            </a:r>
+            <a:r>
+              <a:rPr lang="en-US" sz="1200" dirty="0"/>
+              <a:t> to </a:t>
+            </a:r>
+            <a:r>
+              <a:rPr lang="en-US" sz="1200" dirty="0" err="1"/>
+              <a:t>zuul</a:t>
+            </a:r>
+            <a:r>
+              <a:rPr lang="en-US" sz="1200" dirty="0"/>
+              <a:t> </a:t>
+            </a:r>
+            <a:r>
+              <a:rPr lang="en-US" sz="1200" dirty="0" err="1"/>
+              <a:t>api</a:t>
+            </a:r>
+            <a:r>
+              <a:rPr lang="en-US" sz="1200" dirty="0"/>
+              <a:t> gateway </a:t>
+            </a:r>
+            <a:r>
+              <a:rPr lang="en-US" sz="1200" dirty="0" err="1"/>
+              <a:t>url</a:t>
+            </a:r>
+            <a:r>
+              <a:rPr lang="en-US" sz="1200" dirty="0"/>
+              <a:t> : @</a:t>
+            </a:r>
+            <a:r>
+              <a:rPr lang="en-US" sz="1200" dirty="0" err="1"/>
+              <a:t>FeignClient</a:t>
+            </a:r>
+            <a:r>
+              <a:rPr lang="en-US" sz="1200" dirty="0"/>
+              <a:t>(name = </a:t>
+            </a:r>
+            <a:r>
+              <a:rPr lang="en-US" sz="1200" b="1" dirty="0"/>
+              <a:t>"</a:t>
+            </a:r>
+            <a:r>
+              <a:rPr lang="en-US" sz="1200" b="1" dirty="0" err="1"/>
+              <a:t>zuul</a:t>
+            </a:r>
+            <a:r>
+              <a:rPr lang="en-US" sz="1200" b="1" dirty="0"/>
+              <a:t>-</a:t>
+            </a:r>
+            <a:r>
+              <a:rPr lang="en-US" sz="1200" b="1" dirty="0" err="1"/>
+              <a:t>api</a:t>
+            </a:r>
+            <a:r>
+              <a:rPr lang="en-US" sz="1200" b="1" dirty="0"/>
+              <a:t>-gateway-server"</a:t>
+            </a:r>
+            <a:r>
+              <a:rPr lang="en-US" sz="1200" dirty="0"/>
+              <a:t>)</a:t>
+            </a:r>
+          </a:p>
+          <a:p>
+            <a:pPr lvl="2"/>
+            <a:r>
+              <a:rPr lang="en-US" sz="1200" dirty="0"/>
+              <a:t>Change URL to connect through </a:t>
+            </a:r>
+            <a:r>
+              <a:rPr lang="en-US" sz="1200" dirty="0" err="1"/>
+              <a:t>applicatin</a:t>
+            </a:r>
+            <a:r>
+              <a:rPr lang="en-US" sz="1200" dirty="0"/>
+              <a:t> name: @</a:t>
+            </a:r>
+            <a:r>
+              <a:rPr lang="en-US" sz="1200" dirty="0" err="1"/>
+              <a:t>GetMapping</a:t>
+            </a:r>
+            <a:r>
+              <a:rPr lang="en-US" sz="1200" dirty="0"/>
+              <a:t>(</a:t>
+            </a:r>
+            <a:r>
+              <a:rPr lang="en-US" sz="1200" b="1" dirty="0"/>
+              <a:t>"/currency-exchange-service/currency-exchange/from/{from}/to/{to}"</a:t>
+            </a:r>
+            <a:r>
+              <a:rPr lang="en-US" sz="1200" dirty="0"/>
+              <a:t>)</a:t>
+            </a:r>
+          </a:p>
+          <a:p>
+            <a:pPr lvl="2"/>
+            <a:r>
+              <a:rPr lang="en-US" sz="1200" dirty="0"/>
+              <a:t>Ex : </a:t>
+            </a:r>
+            <a:r>
+              <a:rPr lang="en-US" sz="1200" dirty="0" err="1"/>
+              <a:t>CurrencyExchangeServiceAPIGatewayProxy</a:t>
+            </a:r>
+            <a:r>
+              <a:rPr lang="en-US" sz="1200" dirty="0"/>
+              <a:t>, </a:t>
+            </a:r>
+            <a:r>
+              <a:rPr lang="en-US" sz="1200" dirty="0" err="1"/>
+              <a:t>CurrencyConversionController#convertCurrencyApiGateway</a:t>
+            </a:r>
+            <a:endParaRPr lang="en-US" sz="1200" dirty="0"/>
+          </a:p>
+          <a:p>
+            <a:pPr lvl="1"/>
             <a:endParaRPr lang="en-US" sz="1200" dirty="0"/>
           </a:p>
         </p:txBody>
@@ -5233,6 +5616,236 @@
     <p:extLst>
       <p:ext uri="{BB962C8B-B14F-4D97-AF65-F5344CB8AC3E}">
         <p14:creationId xmlns:p14="http://schemas.microsoft.com/office/powerpoint/2010/main" val="1015488068"/>
+      </p:ext>
+    </p:extLst>
+  </p:cSld>
+  <p:clrMapOvr>
+    <a:masterClrMapping/>
+  </p:clrMapOvr>
+</p:sld>
+</file>
+
+<file path=ppt/slides/slide7.xml><?xml version="1.0" encoding="utf-8"?>
+<p:sld xmlns:a="http://schemas.openxmlformats.org/drawingml/2006/main" xmlns:r="http://schemas.openxmlformats.org/officeDocument/2006/relationships" xmlns:p="http://schemas.openxmlformats.org/presentationml/2006/main">
+  <p:cSld>
+    <p:spTree>
+      <p:nvGrpSpPr>
+        <p:cNvPr id="1" name=""/>
+        <p:cNvGrpSpPr/>
+        <p:nvPr/>
+      </p:nvGrpSpPr>
+      <p:grpSpPr>
+        <a:xfrm>
+          <a:off x="0" y="0"/>
+          <a:ext cx="0" cy="0"/>
+          <a:chOff x="0" y="0"/>
+          <a:chExt cx="0" cy="0"/>
+        </a:xfrm>
+      </p:grpSpPr>
+      <p:sp>
+        <p:nvSpPr>
+          <p:cNvPr id="4" name="TextBox 3">
+            <a:extLst>
+              <a:ext uri="{FF2B5EF4-FFF2-40B4-BE49-F238E27FC236}">
+                <a16:creationId xmlns:a16="http://schemas.microsoft.com/office/drawing/2014/main" id="{3CF5F580-2CF3-4F4A-B032-68B54B5A7647}"/>
+              </a:ext>
+            </a:extLst>
+          </p:cNvPr>
+          <p:cNvSpPr txBox="1"/>
+          <p:nvPr/>
+        </p:nvSpPr>
+        <p:spPr>
+          <a:xfrm>
+            <a:off x="451689" y="286439"/>
+            <a:ext cx="11171105" cy="3508653"/>
+          </a:xfrm>
+          <a:prstGeom prst="rect">
+            <a:avLst/>
+          </a:prstGeom>
+          <a:noFill/>
+        </p:spPr>
+        <p:txBody>
+          <a:bodyPr wrap="square" rtlCol="0">
+            <a:spAutoFit/>
+          </a:bodyPr>
+          <a:lstStyle/>
+          <a:p>
+            <a:r>
+              <a:rPr lang="en-US" dirty="0"/>
+              <a:t>Spring Microservice Tutorial 1:</a:t>
+            </a:r>
+            <a:endParaRPr lang="en-US" sz="1200" dirty="0"/>
+          </a:p>
+          <a:p>
+            <a:r>
+              <a:rPr lang="en-US" sz="1200" dirty="0"/>
+              <a:t>Distributed Tracing. – Spring cloud sleuth</a:t>
+            </a:r>
+          </a:p>
+          <a:p>
+            <a:pPr lvl="1"/>
+            <a:r>
+              <a:rPr lang="en-US" sz="1200" dirty="0"/>
+              <a:t>Create sample as default always sampler : </a:t>
+            </a:r>
+            <a:r>
+              <a:rPr lang="en-US" sz="1200" dirty="0" err="1"/>
+              <a:t>ZuulApiGatewayServerApplication</a:t>
+            </a:r>
+            <a:endParaRPr lang="en-US" sz="1200" dirty="0"/>
+          </a:p>
+          <a:p>
+            <a:endParaRPr lang="en-US" sz="1200" dirty="0"/>
+          </a:p>
+          <a:p>
+            <a:r>
+              <a:rPr lang="en-US" sz="1200" dirty="0" err="1"/>
+              <a:t>Zipkin</a:t>
+            </a:r>
+            <a:endParaRPr lang="en-US" sz="1200" dirty="0"/>
+          </a:p>
+          <a:p>
+            <a:pPr lvl="1"/>
+            <a:r>
+              <a:rPr lang="en-US" sz="1200" dirty="0"/>
+              <a:t>Distributed tracing. </a:t>
+            </a:r>
+          </a:p>
+          <a:p>
+            <a:pPr lvl="1"/>
+            <a:r>
+              <a:rPr lang="en-US" sz="1200" dirty="0"/>
+              <a:t>Install </a:t>
+            </a:r>
+            <a:r>
+              <a:rPr lang="en-US" sz="1200" dirty="0" err="1"/>
+              <a:t>RamitMQ</a:t>
+            </a:r>
+            <a:r>
+              <a:rPr lang="en-US" sz="1200" dirty="0"/>
+              <a:t>: </a:t>
+            </a:r>
+          </a:p>
+          <a:p>
+            <a:pPr lvl="2"/>
+            <a:r>
+              <a:rPr lang="en-US" sz="1200" dirty="0"/>
+              <a:t>docker run --</a:t>
+            </a:r>
+            <a:r>
+              <a:rPr lang="en-US" sz="1200" dirty="0" err="1"/>
+              <a:t>rm</a:t>
+            </a:r>
+            <a:r>
+              <a:rPr lang="en-US" sz="1200" dirty="0"/>
+              <a:t> -it --hostname my-rabbit -p 15672:15672 -p 5672:5672 rabbitmq:3-management</a:t>
+            </a:r>
+          </a:p>
+          <a:p>
+            <a:pPr lvl="2"/>
+            <a:r>
+              <a:rPr lang="en-US" sz="1200" dirty="0">
+                <a:hlinkClick r:id="rId2"/>
+              </a:rPr>
+              <a:t>http://localhost:15672/ </a:t>
+            </a:r>
+            <a:r>
+              <a:rPr lang="en-US" sz="1200" dirty="0"/>
+              <a:t>.   User / password : </a:t>
+            </a:r>
+            <a:r>
+              <a:rPr lang="en-US" sz="1200" dirty="0" err="1"/>
+              <a:t>guest:guest</a:t>
+            </a:r>
+            <a:endParaRPr lang="en-US" sz="1200" dirty="0"/>
+          </a:p>
+          <a:p>
+            <a:pPr lvl="1"/>
+            <a:r>
+              <a:rPr lang="en-US" sz="1200" dirty="0"/>
+              <a:t>Install </a:t>
+            </a:r>
+            <a:r>
+              <a:rPr lang="en-US" sz="1200" dirty="0" err="1"/>
+              <a:t>zipkin</a:t>
+            </a:r>
+            <a:endParaRPr lang="en-US" sz="1200" dirty="0"/>
+          </a:p>
+          <a:p>
+            <a:pPr lvl="2"/>
+            <a:r>
+              <a:rPr lang="en-US" sz="1200" dirty="0">
+                <a:hlinkClick r:id="rId3"/>
+              </a:rPr>
+              <a:t>https://zipkin.io/pages/quickstart</a:t>
+            </a:r>
+            <a:endParaRPr lang="en-US" sz="1200" dirty="0"/>
+          </a:p>
+          <a:p>
+            <a:pPr lvl="2"/>
+            <a:r>
+              <a:rPr lang="en-US" sz="1200" dirty="0"/>
+              <a:t>RABBIT_URI=</a:t>
+            </a:r>
+            <a:r>
+              <a:rPr lang="en-US" sz="1200" dirty="0" err="1"/>
+              <a:t>amqp</a:t>
+            </a:r>
+            <a:r>
+              <a:rPr lang="en-US" sz="1200" dirty="0"/>
+              <a:t>://localhost java -jar </a:t>
+            </a:r>
+            <a:r>
+              <a:rPr lang="en-US" sz="1200" dirty="0" err="1"/>
+              <a:t>zipkin.jar</a:t>
+            </a:r>
+            <a:endParaRPr lang="en-US" sz="1200" dirty="0"/>
+          </a:p>
+          <a:p>
+            <a:pPr lvl="2"/>
+            <a:r>
+              <a:rPr lang="en-US" sz="1200" dirty="0">
+                <a:hlinkClick r:id="rId4"/>
+              </a:rPr>
+              <a:t>http://127.0.0.1:9411/zipkin/</a:t>
+            </a:r>
+            <a:endParaRPr lang="en-US" sz="1200" dirty="0"/>
+          </a:p>
+          <a:p>
+            <a:pPr lvl="2"/>
+            <a:endParaRPr lang="en-US" sz="1200" dirty="0"/>
+          </a:p>
+          <a:p>
+            <a:r>
+              <a:rPr lang="en-US" sz="1200" dirty="0" err="1"/>
+              <a:t>Hystrix</a:t>
+            </a:r>
+            <a:endParaRPr lang="en-US" sz="1200" dirty="0"/>
+          </a:p>
+          <a:p>
+            <a:pPr lvl="1"/>
+            <a:r>
+              <a:rPr lang="en-US" sz="1200" dirty="0"/>
+              <a:t>Fault </a:t>
+            </a:r>
+            <a:r>
+              <a:rPr lang="en-US" sz="1200"/>
+              <a:t>tolerance framework. </a:t>
+            </a:r>
+            <a:endParaRPr lang="en-US" sz="1200" dirty="0"/>
+          </a:p>
+          <a:p>
+            <a:endParaRPr lang="en-US" sz="1200" dirty="0"/>
+          </a:p>
+          <a:p>
+            <a:endParaRPr lang="en-US" sz="1200" dirty="0"/>
+          </a:p>
+        </p:txBody>
+      </p:sp>
+    </p:spTree>
+    <p:extLst>
+      <p:ext uri="{BB962C8B-B14F-4D97-AF65-F5344CB8AC3E}">
+        <p14:creationId xmlns:p14="http://schemas.microsoft.com/office/powerpoint/2010/main" val="1631672438"/>
       </p:ext>
     </p:extLst>
   </p:cSld>
